--- a/Java-连接数据库编程/bin/lib/新建 Microsoft PowerPoint 演示文稿.pptx
+++ b/Java-连接数据库编程/bin/lib/新建 Microsoft PowerPoint 演示文稿.pptx
@@ -7,6 +7,7 @@
   <p:sldIdLst>
     <p:sldId id="256" r:id="rId2"/>
     <p:sldId id="257" r:id="rId3"/>
+    <p:sldId id="258" r:id="rId4"/>
   </p:sldIdLst>
   <p:sldSz cx="9144000" cy="6858000" type="screen4x3"/>
   <p:notesSz cx="6858000" cy="9144000"/>
@@ -6078,6 +6079,1579 @@
     <p:extLst>
       <p:ext uri="{BB962C8B-B14F-4D97-AF65-F5344CB8AC3E}">
         <p14:creationId xmlns:p14="http://schemas.microsoft.com/office/powerpoint/2010/main" val="1476872599"/>
+      </p:ext>
+    </p:extLst>
+  </p:cSld>
+  <p:clrMapOvr>
+    <a:masterClrMapping/>
+  </p:clrMapOvr>
+</p:sld>
+</file>
+
+<file path=ppt/slides/slide3.xml><?xml version="1.0" encoding="utf-8"?>
+<p:sld xmlns:a="http://schemas.openxmlformats.org/drawingml/2006/main" xmlns:r="http://schemas.openxmlformats.org/officeDocument/2006/relationships" xmlns:p="http://schemas.openxmlformats.org/presentationml/2006/main">
+  <p:cSld>
+    <p:spTree>
+      <p:nvGrpSpPr>
+        <p:cNvPr id="1" name=""/>
+        <p:cNvGrpSpPr/>
+        <p:nvPr/>
+      </p:nvGrpSpPr>
+      <p:grpSpPr>
+        <a:xfrm>
+          <a:off x="0" y="0"/>
+          <a:ext cx="0" cy="0"/>
+          <a:chOff x="0" y="0"/>
+          <a:chExt cx="0" cy="0"/>
+        </a:xfrm>
+      </p:grpSpPr>
+      <p:sp>
+        <p:nvSpPr>
+          <p:cNvPr id="4" name="流程图: 磁盘 3"/>
+          <p:cNvSpPr/>
+          <p:nvPr/>
+        </p:nvSpPr>
+        <p:spPr>
+          <a:xfrm>
+            <a:off x="2548597" y="5805264"/>
+            <a:ext cx="1080120" cy="900971"/>
+          </a:xfrm>
+          <a:prstGeom prst="flowChartMagneticDisk">
+            <a:avLst/>
+          </a:prstGeom>
+        </p:spPr>
+        <p:style>
+          <a:lnRef idx="1">
+            <a:schemeClr val="accent1"/>
+          </a:lnRef>
+          <a:fillRef idx="2">
+            <a:schemeClr val="accent1"/>
+          </a:fillRef>
+          <a:effectRef idx="1">
+            <a:schemeClr val="accent1"/>
+          </a:effectRef>
+          <a:fontRef idx="minor">
+            <a:schemeClr val="dk1"/>
+          </a:fontRef>
+        </p:style>
+        <p:txBody>
+          <a:bodyPr rtlCol="0" anchor="ctr"/>
+          <a:lstStyle/>
+          <a:p>
+            <a:pPr algn="ctr"/>
+            <a:r>
+              <a:rPr lang="en-US" altLang="zh-CN" dirty="0" err="1" smtClean="0"/>
+              <a:t>db</a:t>
+            </a:r>
+            <a:endParaRPr lang="zh-CN" altLang="en-US" dirty="0"/>
+          </a:p>
+        </p:txBody>
+      </p:sp>
+      <p:sp>
+        <p:nvSpPr>
+          <p:cNvPr id="5" name="矩形 4"/>
+          <p:cNvSpPr/>
+          <p:nvPr/>
+        </p:nvSpPr>
+        <p:spPr>
+          <a:xfrm>
+            <a:off x="403412" y="1268760"/>
+            <a:ext cx="1512168" cy="964323"/>
+          </a:xfrm>
+          <a:prstGeom prst="rect">
+            <a:avLst/>
+          </a:prstGeom>
+        </p:spPr>
+        <p:style>
+          <a:lnRef idx="1">
+            <a:schemeClr val="accent1"/>
+          </a:lnRef>
+          <a:fillRef idx="2">
+            <a:schemeClr val="accent1"/>
+          </a:fillRef>
+          <a:effectRef idx="1">
+            <a:schemeClr val="accent1"/>
+          </a:effectRef>
+          <a:fontRef idx="minor">
+            <a:schemeClr val="dk1"/>
+          </a:fontRef>
+        </p:style>
+        <p:txBody>
+          <a:bodyPr rtlCol="0" anchor="ctr"/>
+          <a:lstStyle/>
+          <a:p>
+            <a:pPr algn="ctr"/>
+            <a:r>
+              <a:rPr lang="zh-CN" altLang="en-US" dirty="0" smtClean="0"/>
+              <a:t>主界面</a:t>
+            </a:r>
+            <a:r>
+              <a:rPr lang="en-US" altLang="zh-CN" dirty="0" err="1" smtClean="0"/>
+              <a:t>stuManager</a:t>
+            </a:r>
+            <a:endParaRPr lang="zh-CN" altLang="en-US" dirty="0"/>
+          </a:p>
+        </p:txBody>
+      </p:sp>
+      <p:sp>
+        <p:nvSpPr>
+          <p:cNvPr id="6" name="矩形 5"/>
+          <p:cNvSpPr/>
+          <p:nvPr/>
+        </p:nvSpPr>
+        <p:spPr>
+          <a:xfrm>
+            <a:off x="407411" y="3415614"/>
+            <a:ext cx="2252437" cy="799257"/>
+          </a:xfrm>
+          <a:prstGeom prst="rect">
+            <a:avLst/>
+          </a:prstGeom>
+        </p:spPr>
+        <p:style>
+          <a:lnRef idx="1">
+            <a:schemeClr val="accent1"/>
+          </a:lnRef>
+          <a:fillRef idx="2">
+            <a:schemeClr val="accent1"/>
+          </a:fillRef>
+          <a:effectRef idx="1">
+            <a:schemeClr val="accent1"/>
+          </a:effectRef>
+          <a:fontRef idx="minor">
+            <a:schemeClr val="dk1"/>
+          </a:fontRef>
+        </p:style>
+        <p:txBody>
+          <a:bodyPr rtlCol="0" anchor="ctr"/>
+          <a:lstStyle/>
+          <a:p>
+            <a:pPr algn="ctr"/>
+            <a:r>
+              <a:rPr lang="zh-CN" altLang="en-US" dirty="0" smtClean="0"/>
+              <a:t>表模型</a:t>
+            </a:r>
+            <a:r>
+              <a:rPr lang="en-US" altLang="zh-CN" dirty="0" smtClean="0"/>
+              <a:t>:</a:t>
+            </a:r>
+            <a:r>
+              <a:rPr lang="en-US" altLang="zh-CN" dirty="0" err="1" smtClean="0"/>
+              <a:t>stuModel</a:t>
+            </a:r>
+            <a:endParaRPr lang="zh-CN" altLang="en-US" dirty="0"/>
+          </a:p>
+        </p:txBody>
+      </p:sp>
+      <p:sp>
+        <p:nvSpPr>
+          <p:cNvPr id="7" name="矩形 6"/>
+          <p:cNvSpPr/>
+          <p:nvPr/>
+        </p:nvSpPr>
+        <p:spPr>
+          <a:xfrm>
+            <a:off x="3347437" y="1313212"/>
+            <a:ext cx="1924165" cy="964323"/>
+          </a:xfrm>
+          <a:prstGeom prst="rect">
+            <a:avLst/>
+          </a:prstGeom>
+        </p:spPr>
+        <p:style>
+          <a:lnRef idx="1">
+            <a:schemeClr val="accent1"/>
+          </a:lnRef>
+          <a:fillRef idx="2">
+            <a:schemeClr val="accent1"/>
+          </a:fillRef>
+          <a:effectRef idx="1">
+            <a:schemeClr val="accent1"/>
+          </a:effectRef>
+          <a:fontRef idx="minor">
+            <a:schemeClr val="dk1"/>
+          </a:fontRef>
+        </p:style>
+        <p:txBody>
+          <a:bodyPr rtlCol="0" anchor="ctr"/>
+          <a:lstStyle/>
+          <a:p>
+            <a:pPr algn="ctr"/>
+            <a:r>
+              <a:rPr lang="zh-CN" altLang="en-US" dirty="0" smtClean="0"/>
+              <a:t>添加学生界面</a:t>
+            </a:r>
+            <a:endParaRPr lang="en-US" altLang="zh-CN" dirty="0" smtClean="0"/>
+          </a:p>
+          <a:p>
+            <a:pPr algn="ctr"/>
+            <a:r>
+              <a:rPr lang="en-US" altLang="zh-CN" dirty="0" err="1" smtClean="0"/>
+              <a:t>stuAddDialog</a:t>
+            </a:r>
+            <a:endParaRPr lang="zh-CN" altLang="en-US" dirty="0"/>
+          </a:p>
+        </p:txBody>
+      </p:sp>
+      <p:sp>
+        <p:nvSpPr>
+          <p:cNvPr id="8" name="矩形 7"/>
+          <p:cNvSpPr/>
+          <p:nvPr/>
+        </p:nvSpPr>
+        <p:spPr>
+          <a:xfrm>
+            <a:off x="6563743" y="1456393"/>
+            <a:ext cx="1872208" cy="964323"/>
+          </a:xfrm>
+          <a:prstGeom prst="rect">
+            <a:avLst/>
+          </a:prstGeom>
+        </p:spPr>
+        <p:style>
+          <a:lnRef idx="1">
+            <a:schemeClr val="accent1"/>
+          </a:lnRef>
+          <a:fillRef idx="2">
+            <a:schemeClr val="accent1"/>
+          </a:fillRef>
+          <a:effectRef idx="1">
+            <a:schemeClr val="accent1"/>
+          </a:effectRef>
+          <a:fontRef idx="minor">
+            <a:schemeClr val="dk1"/>
+          </a:fontRef>
+        </p:style>
+        <p:txBody>
+          <a:bodyPr rtlCol="0" anchor="ctr"/>
+          <a:lstStyle/>
+          <a:p>
+            <a:pPr algn="ctr"/>
+            <a:r>
+              <a:rPr lang="zh-CN" altLang="en-US" dirty="0" smtClean="0"/>
+              <a:t>修改学生界面</a:t>
+            </a:r>
+            <a:endParaRPr lang="en-US" altLang="zh-CN" dirty="0" smtClean="0"/>
+          </a:p>
+          <a:p>
+            <a:pPr algn="ctr"/>
+            <a:r>
+              <a:rPr lang="en-US" altLang="zh-CN" dirty="0" err="1" smtClean="0"/>
+              <a:t>stuUpDialog</a:t>
+            </a:r>
+            <a:endParaRPr lang="zh-CN" altLang="en-US" dirty="0"/>
+          </a:p>
+        </p:txBody>
+      </p:sp>
+      <p:cxnSp>
+        <p:nvCxnSpPr>
+          <p:cNvPr id="10" name="直接箭头连接符 9"/>
+          <p:cNvCxnSpPr>
+            <a:stCxn id="5" idx="2"/>
+            <a:endCxn id="6" idx="0"/>
+          </p:cNvCxnSpPr>
+          <p:nvPr/>
+        </p:nvCxnSpPr>
+        <p:spPr>
+          <a:xfrm>
+            <a:off x="1159496" y="2233083"/>
+            <a:ext cx="374134" cy="1182531"/>
+          </a:xfrm>
+          <a:prstGeom prst="straightConnector1">
+            <a:avLst/>
+          </a:prstGeom>
+          <a:ln>
+            <a:tailEnd type="arrow"/>
+          </a:ln>
+        </p:spPr>
+        <p:style>
+          <a:lnRef idx="1">
+            <a:schemeClr val="accent1"/>
+          </a:lnRef>
+          <a:fillRef idx="0">
+            <a:schemeClr val="accent1"/>
+          </a:fillRef>
+          <a:effectRef idx="0">
+            <a:schemeClr val="accent1"/>
+          </a:effectRef>
+          <a:fontRef idx="minor">
+            <a:schemeClr val="tx1"/>
+          </a:fontRef>
+        </p:style>
+      </p:cxnSp>
+      <p:cxnSp>
+        <p:nvCxnSpPr>
+          <p:cNvPr id="14" name="直接箭头连接符 13"/>
+          <p:cNvCxnSpPr>
+            <a:stCxn id="7" idx="2"/>
+            <a:endCxn id="6" idx="0"/>
+          </p:cNvCxnSpPr>
+          <p:nvPr/>
+        </p:nvCxnSpPr>
+        <p:spPr>
+          <a:xfrm flipH="1">
+            <a:off x="1533630" y="2277535"/>
+            <a:ext cx="2775890" cy="1138079"/>
+          </a:xfrm>
+          <a:prstGeom prst="straightConnector1">
+            <a:avLst/>
+          </a:prstGeom>
+          <a:ln>
+            <a:tailEnd type="arrow"/>
+          </a:ln>
+        </p:spPr>
+        <p:style>
+          <a:lnRef idx="1">
+            <a:schemeClr val="accent1"/>
+          </a:lnRef>
+          <a:fillRef idx="0">
+            <a:schemeClr val="accent1"/>
+          </a:fillRef>
+          <a:effectRef idx="0">
+            <a:schemeClr val="accent1"/>
+          </a:effectRef>
+          <a:fontRef idx="minor">
+            <a:schemeClr val="tx1"/>
+          </a:fontRef>
+        </p:style>
+      </p:cxnSp>
+      <p:cxnSp>
+        <p:nvCxnSpPr>
+          <p:cNvPr id="16" name="直接箭头连接符 15"/>
+          <p:cNvCxnSpPr>
+            <a:stCxn id="8" idx="2"/>
+            <a:endCxn id="6" idx="0"/>
+          </p:cNvCxnSpPr>
+          <p:nvPr/>
+        </p:nvCxnSpPr>
+        <p:spPr>
+          <a:xfrm flipH="1">
+            <a:off x="1533630" y="2420716"/>
+            <a:ext cx="5966217" cy="994898"/>
+          </a:xfrm>
+          <a:prstGeom prst="straightConnector1">
+            <a:avLst/>
+          </a:prstGeom>
+          <a:ln>
+            <a:tailEnd type="arrow"/>
+          </a:ln>
+        </p:spPr>
+        <p:style>
+          <a:lnRef idx="1">
+            <a:schemeClr val="accent1"/>
+          </a:lnRef>
+          <a:fillRef idx="0">
+            <a:schemeClr val="accent1"/>
+          </a:fillRef>
+          <a:effectRef idx="0">
+            <a:schemeClr val="accent1"/>
+          </a:effectRef>
+          <a:fontRef idx="minor">
+            <a:schemeClr val="tx1"/>
+          </a:fontRef>
+        </p:style>
+      </p:cxnSp>
+      <p:sp>
+        <p:nvSpPr>
+          <p:cNvPr id="26" name="矩形 25"/>
+          <p:cNvSpPr/>
+          <p:nvPr/>
+        </p:nvSpPr>
+        <p:spPr>
+          <a:xfrm>
+            <a:off x="3088657" y="335304"/>
+            <a:ext cx="4076689" cy="553998"/>
+          </a:xfrm>
+          <a:prstGeom prst="rect">
+            <a:avLst/>
+          </a:prstGeom>
+          <a:noFill/>
+        </p:spPr>
+        <p:txBody>
+          <a:bodyPr wrap="square" lIns="91440" tIns="45720" rIns="91440" bIns="45720">
+            <a:spAutoFit/>
+          </a:bodyPr>
+          <a:lstStyle/>
+          <a:p>
+            <a:pPr algn="ctr"/>
+            <a:r>
+              <a:rPr lang="zh-CN" altLang="en-US" sz="3000" b="1" dirty="0" smtClean="0">
+                <a:ln w="10541" cmpd="sng">
+                  <a:solidFill>
+                    <a:schemeClr val="accent1">
+                      <a:shade val="88000"/>
+                      <a:satMod val="110000"/>
+                    </a:schemeClr>
+                  </a:solidFill>
+                  <a:prstDash val="solid"/>
+                </a:ln>
+                <a:gradFill>
+                  <a:gsLst>
+                    <a:gs pos="0">
+                      <a:schemeClr val="accent1">
+                        <a:tint val="40000"/>
+                        <a:satMod val="250000"/>
+                      </a:schemeClr>
+                    </a:gs>
+                    <a:gs pos="9000">
+                      <a:schemeClr val="accent1">
+                        <a:tint val="52000"/>
+                        <a:satMod val="300000"/>
+                      </a:schemeClr>
+                    </a:gs>
+                    <a:gs pos="50000">
+                      <a:schemeClr val="accent1">
+                        <a:shade val="20000"/>
+                        <a:satMod val="300000"/>
+                      </a:schemeClr>
+                    </a:gs>
+                    <a:gs pos="79000">
+                      <a:schemeClr val="accent1">
+                        <a:tint val="52000"/>
+                        <a:satMod val="300000"/>
+                      </a:schemeClr>
+                    </a:gs>
+                    <a:gs pos="100000">
+                      <a:schemeClr val="accent1">
+                        <a:tint val="40000"/>
+                        <a:satMod val="250000"/>
+                      </a:schemeClr>
+                    </a:gs>
+                  </a:gsLst>
+                  <a:lin ang="5400000"/>
+                </a:gradFill>
+              </a:rPr>
+              <a:t>程序框架图</a:t>
+            </a:r>
+            <a:endParaRPr lang="zh-CN" altLang="en-US" sz="3000" b="1" cap="none" spc="0" dirty="0">
+              <a:ln w="10541" cmpd="sng">
+                <a:solidFill>
+                  <a:schemeClr val="accent1">
+                    <a:shade val="88000"/>
+                    <a:satMod val="110000"/>
+                  </a:schemeClr>
+                </a:solidFill>
+                <a:prstDash val="solid"/>
+              </a:ln>
+              <a:gradFill>
+                <a:gsLst>
+                  <a:gs pos="0">
+                    <a:schemeClr val="accent1">
+                      <a:tint val="40000"/>
+                      <a:satMod val="250000"/>
+                    </a:schemeClr>
+                  </a:gs>
+                  <a:gs pos="9000">
+                    <a:schemeClr val="accent1">
+                      <a:tint val="52000"/>
+                      <a:satMod val="300000"/>
+                    </a:schemeClr>
+                  </a:gs>
+                  <a:gs pos="50000">
+                    <a:schemeClr val="accent1">
+                      <a:shade val="20000"/>
+                      <a:satMod val="300000"/>
+                    </a:schemeClr>
+                  </a:gs>
+                  <a:gs pos="79000">
+                    <a:schemeClr val="accent1">
+                      <a:tint val="52000"/>
+                      <a:satMod val="300000"/>
+                    </a:schemeClr>
+                  </a:gs>
+                  <a:gs pos="100000">
+                    <a:schemeClr val="accent1">
+                      <a:tint val="40000"/>
+                      <a:satMod val="250000"/>
+                    </a:schemeClr>
+                  </a:gs>
+                </a:gsLst>
+                <a:lin ang="5400000"/>
+              </a:gradFill>
+              <a:effectLst/>
+            </a:endParaRPr>
+          </a:p>
+        </p:txBody>
+      </p:sp>
+      <p:sp>
+        <p:nvSpPr>
+          <p:cNvPr id="55" name="矩形 54"/>
+          <p:cNvSpPr/>
+          <p:nvPr/>
+        </p:nvSpPr>
+        <p:spPr>
+          <a:xfrm>
+            <a:off x="179512" y="150638"/>
+            <a:ext cx="2967480" cy="923330"/>
+          </a:xfrm>
+          <a:prstGeom prst="rect">
+            <a:avLst/>
+          </a:prstGeom>
+          <a:noFill/>
+          <a:ln>
+            <a:noFill/>
+          </a:ln>
+          <a:scene3d>
+            <a:camera prst="perspectiveHeroicExtremeRightFacing"/>
+            <a:lightRig rig="threePt" dir="t"/>
+          </a:scene3d>
+        </p:spPr>
+        <p:style>
+          <a:lnRef idx="1">
+            <a:schemeClr val="accent3"/>
+          </a:lnRef>
+          <a:fillRef idx="2">
+            <a:schemeClr val="accent3"/>
+          </a:fillRef>
+          <a:effectRef idx="1">
+            <a:schemeClr val="accent3"/>
+          </a:effectRef>
+          <a:fontRef idx="minor">
+            <a:schemeClr val="dk1"/>
+          </a:fontRef>
+        </p:style>
+        <p:txBody>
+          <a:bodyPr wrap="none" lIns="91440" tIns="45720" rIns="91440" bIns="45720">
+            <a:spAutoFit/>
+            <a:scene3d>
+              <a:camera prst="orthographicFront"/>
+              <a:lightRig rig="flat" dir="tl">
+                <a:rot lat="0" lon="0" rev="6600000"/>
+              </a:lightRig>
+            </a:scene3d>
+            <a:sp3d extrusionH="25400" contourW="8890">
+              <a:bevelT w="38100" h="31750"/>
+              <a:contourClr>
+                <a:schemeClr val="accent2">
+                  <a:shade val="75000"/>
+                </a:schemeClr>
+              </a:contourClr>
+            </a:sp3d>
+          </a:bodyPr>
+          <a:lstStyle/>
+          <a:p>
+            <a:pPr algn="ctr"/>
+            <a:r>
+              <a:rPr lang="zh-CN" altLang="en-US" sz="5400" b="1" dirty="0" smtClean="0">
+                <a:ln w="11430"/>
+                <a:gradFill>
+                  <a:gsLst>
+                    <a:gs pos="0">
+                      <a:schemeClr val="accent2">
+                        <a:tint val="70000"/>
+                        <a:satMod val="245000"/>
+                      </a:schemeClr>
+                    </a:gs>
+                    <a:gs pos="75000">
+                      <a:schemeClr val="accent2">
+                        <a:tint val="90000"/>
+                        <a:shade val="60000"/>
+                        <a:satMod val="240000"/>
+                      </a:schemeClr>
+                    </a:gs>
+                    <a:gs pos="100000">
+                      <a:schemeClr val="accent2">
+                        <a:tint val="100000"/>
+                        <a:shade val="50000"/>
+                        <a:satMod val="240000"/>
+                      </a:schemeClr>
+                    </a:gs>
+                  </a:gsLst>
+                  <a:lin ang="5400000"/>
+                </a:gradFill>
+                <a:effectLst>
+                  <a:outerShdw blurRad="50800" dist="39000" dir="5460000" algn="tl">
+                    <a:srgbClr val="000000">
+                      <a:alpha val="38000"/>
+                    </a:srgbClr>
+                  </a:outerShdw>
+                </a:effectLst>
+              </a:rPr>
+              <a:t>设计模式</a:t>
+            </a:r>
+            <a:endParaRPr lang="zh-CN" altLang="en-US" sz="5400" b="1" cap="none" spc="0" dirty="0">
+              <a:ln w="11430"/>
+              <a:gradFill>
+                <a:gsLst>
+                  <a:gs pos="0">
+                    <a:schemeClr val="accent2">
+                      <a:tint val="70000"/>
+                      <a:satMod val="245000"/>
+                    </a:schemeClr>
+                  </a:gs>
+                  <a:gs pos="75000">
+                    <a:schemeClr val="accent2">
+                      <a:tint val="90000"/>
+                      <a:shade val="60000"/>
+                      <a:satMod val="240000"/>
+                    </a:schemeClr>
+                  </a:gs>
+                  <a:gs pos="100000">
+                    <a:schemeClr val="accent2">
+                      <a:tint val="100000"/>
+                      <a:shade val="50000"/>
+                      <a:satMod val="240000"/>
+                    </a:schemeClr>
+                  </a:gs>
+                </a:gsLst>
+                <a:lin ang="5400000"/>
+              </a:gradFill>
+              <a:effectLst>
+                <a:outerShdw blurRad="50800" dist="39000" dir="5460000" algn="tl">
+                  <a:srgbClr val="000000">
+                    <a:alpha val="38000"/>
+                  </a:srgbClr>
+                </a:outerShdw>
+              </a:effectLst>
+            </a:endParaRPr>
+          </a:p>
+        </p:txBody>
+      </p:sp>
+      <p:cxnSp>
+        <p:nvCxnSpPr>
+          <p:cNvPr id="101" name="直接连接符 100"/>
+          <p:cNvCxnSpPr/>
+          <p:nvPr/>
+        </p:nvCxnSpPr>
+        <p:spPr>
+          <a:xfrm flipV="1">
+            <a:off x="199790" y="2936779"/>
+            <a:ext cx="8640960" cy="45713"/>
+          </a:xfrm>
+          <a:prstGeom prst="line">
+            <a:avLst/>
+          </a:prstGeom>
+        </p:spPr>
+        <p:style>
+          <a:lnRef idx="1">
+            <a:schemeClr val="accent1"/>
+          </a:lnRef>
+          <a:fillRef idx="0">
+            <a:schemeClr val="accent1"/>
+          </a:fillRef>
+          <a:effectRef idx="0">
+            <a:schemeClr val="accent1"/>
+          </a:effectRef>
+          <a:fontRef idx="minor">
+            <a:schemeClr val="tx1"/>
+          </a:fontRef>
+        </p:style>
+      </p:cxnSp>
+      <p:sp>
+        <p:nvSpPr>
+          <p:cNvPr id="105" name="矩形 104"/>
+          <p:cNvSpPr/>
+          <p:nvPr/>
+        </p:nvSpPr>
+        <p:spPr>
+          <a:xfrm>
+            <a:off x="6865333" y="2459272"/>
+            <a:ext cx="1971885" cy="523220"/>
+          </a:xfrm>
+          <a:prstGeom prst="rect">
+            <a:avLst/>
+          </a:prstGeom>
+          <a:noFill/>
+        </p:spPr>
+        <p:txBody>
+          <a:bodyPr wrap="none" lIns="91440" tIns="45720" rIns="91440" bIns="45720">
+            <a:spAutoFit/>
+          </a:bodyPr>
+          <a:lstStyle/>
+          <a:p>
+            <a:pPr algn="ctr"/>
+            <a:r>
+              <a:rPr lang="zh-CN" altLang="en-US" sz="2800" b="1" cap="none" spc="0" dirty="0" smtClean="0">
+                <a:ln w="19050">
+                  <a:solidFill>
+                    <a:schemeClr val="tx2">
+                      <a:tint val="1000"/>
+                    </a:schemeClr>
+                  </a:solidFill>
+                  <a:prstDash val="solid"/>
+                </a:ln>
+                <a:solidFill>
+                  <a:srgbClr val="002060"/>
+                </a:solidFill>
+                <a:effectLst>
+                  <a:outerShdw blurRad="50000" dist="50800" dir="7500000" algn="tl">
+                    <a:srgbClr val="000000">
+                      <a:shade val="5000"/>
+                      <a:alpha val="35000"/>
+                    </a:srgbClr>
+                  </a:outerShdw>
+                </a:effectLst>
+              </a:rPr>
+              <a:t>界面</a:t>
+            </a:r>
+            <a:r>
+              <a:rPr lang="en-US" altLang="zh-CN" sz="2800" b="1" cap="none" spc="0" dirty="0" smtClean="0">
+                <a:ln w="19050">
+                  <a:solidFill>
+                    <a:schemeClr val="tx2">
+                      <a:tint val="1000"/>
+                    </a:schemeClr>
+                  </a:solidFill>
+                  <a:prstDash val="solid"/>
+                </a:ln>
+                <a:solidFill>
+                  <a:srgbClr val="002060"/>
+                </a:solidFill>
+                <a:effectLst>
+                  <a:outerShdw blurRad="50000" dist="50800" dir="7500000" algn="tl">
+                    <a:srgbClr val="000000">
+                      <a:shade val="5000"/>
+                      <a:alpha val="35000"/>
+                    </a:srgbClr>
+                  </a:outerShdw>
+                </a:effectLst>
+              </a:rPr>
+              <a:t>view</a:t>
+            </a:r>
+            <a:r>
+              <a:rPr lang="zh-CN" altLang="en-US" sz="2800" b="1" cap="none" spc="0" dirty="0" smtClean="0">
+                <a:ln w="19050">
+                  <a:solidFill>
+                    <a:schemeClr val="tx2">
+                      <a:tint val="1000"/>
+                    </a:schemeClr>
+                  </a:solidFill>
+                  <a:prstDash val="solid"/>
+                </a:ln>
+                <a:solidFill>
+                  <a:srgbClr val="002060"/>
+                </a:solidFill>
+                <a:effectLst>
+                  <a:outerShdw blurRad="50000" dist="50800" dir="7500000" algn="tl">
+                    <a:srgbClr val="000000">
+                      <a:shade val="5000"/>
+                      <a:alpha val="35000"/>
+                    </a:srgbClr>
+                  </a:outerShdw>
+                </a:effectLst>
+              </a:rPr>
+              <a:t>层</a:t>
+            </a:r>
+            <a:endParaRPr lang="zh-CN" altLang="en-US" sz="2800" b="1" cap="none" spc="0" dirty="0">
+              <a:ln w="19050">
+                <a:solidFill>
+                  <a:schemeClr val="tx2">
+                    <a:tint val="1000"/>
+                  </a:schemeClr>
+                </a:solidFill>
+                <a:prstDash val="solid"/>
+              </a:ln>
+              <a:solidFill>
+                <a:srgbClr val="002060"/>
+              </a:solidFill>
+              <a:effectLst>
+                <a:outerShdw blurRad="50000" dist="50800" dir="7500000" algn="tl">
+                  <a:srgbClr val="000000">
+                    <a:shade val="5000"/>
+                    <a:alpha val="35000"/>
+                  </a:srgbClr>
+                </a:outerShdw>
+              </a:effectLst>
+            </a:endParaRPr>
+          </a:p>
+        </p:txBody>
+      </p:sp>
+      <p:sp>
+        <p:nvSpPr>
+          <p:cNvPr id="108" name="TextBox 107"/>
+          <p:cNvSpPr txBox="1"/>
+          <p:nvPr/>
+        </p:nvSpPr>
+        <p:spPr>
+          <a:xfrm>
+            <a:off x="4998271" y="5596190"/>
+            <a:ext cx="3130944" cy="646331"/>
+          </a:xfrm>
+          <a:prstGeom prst="rect">
+            <a:avLst/>
+          </a:prstGeom>
+        </p:spPr>
+        <p:style>
+          <a:lnRef idx="1">
+            <a:schemeClr val="accent3"/>
+          </a:lnRef>
+          <a:fillRef idx="2">
+            <a:schemeClr val="accent3"/>
+          </a:fillRef>
+          <a:effectRef idx="1">
+            <a:schemeClr val="accent3"/>
+          </a:effectRef>
+          <a:fontRef idx="minor">
+            <a:schemeClr val="dk1"/>
+          </a:fontRef>
+        </p:style>
+        <p:txBody>
+          <a:bodyPr wrap="square" rtlCol="0">
+            <a:spAutoFit/>
+          </a:bodyPr>
+          <a:lstStyle/>
+          <a:p>
+            <a:r>
+              <a:rPr lang="en-US" altLang="zh-CN" dirty="0" smtClean="0"/>
+              <a:t>Model3</a:t>
+            </a:r>
+            <a:r>
+              <a:rPr lang="zh-CN" altLang="en-US" dirty="0" smtClean="0"/>
+              <a:t>模式，当表模型特别多时</a:t>
+            </a:r>
+            <a:endParaRPr lang="zh-CN" altLang="en-US" dirty="0"/>
+          </a:p>
+        </p:txBody>
+      </p:sp>
+      <p:sp>
+        <p:nvSpPr>
+          <p:cNvPr id="33" name="矩形 32"/>
+          <p:cNvSpPr/>
+          <p:nvPr/>
+        </p:nvSpPr>
+        <p:spPr>
+          <a:xfrm>
+            <a:off x="3347437" y="3415613"/>
+            <a:ext cx="2252437" cy="799257"/>
+          </a:xfrm>
+          <a:prstGeom prst="rect">
+            <a:avLst/>
+          </a:prstGeom>
+        </p:spPr>
+        <p:style>
+          <a:lnRef idx="1">
+            <a:schemeClr val="accent1"/>
+          </a:lnRef>
+          <a:fillRef idx="2">
+            <a:schemeClr val="accent1"/>
+          </a:fillRef>
+          <a:effectRef idx="1">
+            <a:schemeClr val="accent1"/>
+          </a:effectRef>
+          <a:fontRef idx="minor">
+            <a:schemeClr val="dk1"/>
+          </a:fontRef>
+        </p:style>
+        <p:txBody>
+          <a:bodyPr rtlCol="0" anchor="ctr"/>
+          <a:lstStyle/>
+          <a:p>
+            <a:pPr algn="ctr"/>
+            <a:r>
+              <a:rPr lang="zh-CN" altLang="en-US" dirty="0" smtClean="0"/>
+              <a:t>表模型</a:t>
+            </a:r>
+            <a:r>
+              <a:rPr lang="en-US" altLang="zh-CN" dirty="0" smtClean="0"/>
+              <a:t>:</a:t>
+            </a:r>
+            <a:r>
+              <a:rPr lang="en-US" altLang="zh-CN" dirty="0" err="1" smtClean="0"/>
+              <a:t>stuModel</a:t>
+            </a:r>
+            <a:endParaRPr lang="zh-CN" altLang="en-US" dirty="0"/>
+          </a:p>
+        </p:txBody>
+      </p:sp>
+      <p:sp>
+        <p:nvSpPr>
+          <p:cNvPr id="37" name="矩形 36"/>
+          <p:cNvSpPr/>
+          <p:nvPr/>
+        </p:nvSpPr>
+        <p:spPr>
+          <a:xfrm>
+            <a:off x="6248813" y="3378614"/>
+            <a:ext cx="2252437" cy="799257"/>
+          </a:xfrm>
+          <a:prstGeom prst="rect">
+            <a:avLst/>
+          </a:prstGeom>
+        </p:spPr>
+        <p:style>
+          <a:lnRef idx="1">
+            <a:schemeClr val="accent1"/>
+          </a:lnRef>
+          <a:fillRef idx="2">
+            <a:schemeClr val="accent1"/>
+          </a:fillRef>
+          <a:effectRef idx="1">
+            <a:schemeClr val="accent1"/>
+          </a:effectRef>
+          <a:fontRef idx="minor">
+            <a:schemeClr val="dk1"/>
+          </a:fontRef>
+        </p:style>
+        <p:txBody>
+          <a:bodyPr rtlCol="0" anchor="ctr"/>
+          <a:lstStyle/>
+          <a:p>
+            <a:pPr algn="ctr"/>
+            <a:r>
+              <a:rPr lang="zh-CN" altLang="en-US" dirty="0" smtClean="0"/>
+              <a:t>表模型</a:t>
+            </a:r>
+            <a:r>
+              <a:rPr lang="en-US" altLang="zh-CN" dirty="0" smtClean="0"/>
+              <a:t>:</a:t>
+            </a:r>
+            <a:r>
+              <a:rPr lang="en-US" altLang="zh-CN" dirty="0" err="1" smtClean="0"/>
+              <a:t>stuModel</a:t>
+            </a:r>
+            <a:endParaRPr lang="zh-CN" altLang="en-US" dirty="0"/>
+          </a:p>
+        </p:txBody>
+      </p:sp>
+      <p:sp>
+        <p:nvSpPr>
+          <p:cNvPr id="106" name="矩形 105"/>
+          <p:cNvSpPr/>
+          <p:nvPr/>
+        </p:nvSpPr>
+        <p:spPr>
+          <a:xfrm>
+            <a:off x="6753602" y="3197492"/>
+            <a:ext cx="2390398" cy="523220"/>
+          </a:xfrm>
+          <a:prstGeom prst="rect">
+            <a:avLst/>
+          </a:prstGeom>
+          <a:noFill/>
+        </p:spPr>
+        <p:txBody>
+          <a:bodyPr wrap="none" lIns="91440" tIns="45720" rIns="91440" bIns="45720">
+            <a:spAutoFit/>
+          </a:bodyPr>
+          <a:lstStyle/>
+          <a:p>
+            <a:pPr algn="ctr"/>
+            <a:r>
+              <a:rPr lang="en-US" altLang="zh-CN" sz="2800" b="1" cap="none" spc="0" dirty="0" smtClean="0">
+                <a:ln w="19050">
+                  <a:solidFill>
+                    <a:schemeClr val="tx2">
+                      <a:tint val="1000"/>
+                    </a:schemeClr>
+                  </a:solidFill>
+                  <a:prstDash val="solid"/>
+                </a:ln>
+                <a:solidFill>
+                  <a:srgbClr val="002060"/>
+                </a:solidFill>
+                <a:effectLst>
+                  <a:outerShdw blurRad="50000" dist="50800" dir="7500000" algn="tl">
+                    <a:srgbClr val="000000">
+                      <a:shade val="5000"/>
+                      <a:alpha val="35000"/>
+                    </a:srgbClr>
+                  </a:outerShdw>
+                </a:effectLst>
+              </a:rPr>
+              <a:t>M(model)</a:t>
+            </a:r>
+            <a:r>
+              <a:rPr lang="zh-CN" altLang="en-US" sz="2800" b="1" cap="none" spc="0" dirty="0" smtClean="0">
+                <a:ln w="19050">
+                  <a:solidFill>
+                    <a:schemeClr val="tx2">
+                      <a:tint val="1000"/>
+                    </a:schemeClr>
+                  </a:solidFill>
+                  <a:prstDash val="solid"/>
+                </a:ln>
+                <a:solidFill>
+                  <a:srgbClr val="002060"/>
+                </a:solidFill>
+                <a:effectLst>
+                  <a:outerShdw blurRad="50000" dist="50800" dir="7500000" algn="tl">
+                    <a:srgbClr val="000000">
+                      <a:shade val="5000"/>
+                      <a:alpha val="35000"/>
+                    </a:srgbClr>
+                  </a:outerShdw>
+                </a:effectLst>
+              </a:rPr>
+              <a:t>后台</a:t>
+            </a:r>
+            <a:endParaRPr lang="zh-CN" altLang="en-US" sz="2800" b="1" cap="none" spc="0" dirty="0">
+              <a:ln w="19050">
+                <a:solidFill>
+                  <a:schemeClr val="tx2">
+                    <a:tint val="1000"/>
+                  </a:schemeClr>
+                </a:solidFill>
+                <a:prstDash val="solid"/>
+              </a:ln>
+              <a:solidFill>
+                <a:srgbClr val="002060"/>
+              </a:solidFill>
+              <a:effectLst>
+                <a:outerShdw blurRad="50000" dist="50800" dir="7500000" algn="tl">
+                  <a:srgbClr val="000000">
+                    <a:shade val="5000"/>
+                    <a:alpha val="35000"/>
+                  </a:srgbClr>
+                </a:outerShdw>
+              </a:effectLst>
+            </a:endParaRPr>
+          </a:p>
+        </p:txBody>
+      </p:sp>
+      <p:cxnSp>
+        <p:nvCxnSpPr>
+          <p:cNvPr id="38" name="直接连接符 37"/>
+          <p:cNvCxnSpPr/>
+          <p:nvPr/>
+        </p:nvCxnSpPr>
+        <p:spPr>
+          <a:xfrm flipV="1">
+            <a:off x="196258" y="4534370"/>
+            <a:ext cx="8640960" cy="1"/>
+          </a:xfrm>
+          <a:prstGeom prst="line">
+            <a:avLst/>
+          </a:prstGeom>
+        </p:spPr>
+        <p:style>
+          <a:lnRef idx="1">
+            <a:schemeClr val="accent1"/>
+          </a:lnRef>
+          <a:fillRef idx="0">
+            <a:schemeClr val="accent1"/>
+          </a:fillRef>
+          <a:effectRef idx="0">
+            <a:schemeClr val="accent1"/>
+          </a:effectRef>
+          <a:fontRef idx="minor">
+            <a:schemeClr val="tx1"/>
+          </a:fontRef>
+        </p:style>
+      </p:cxnSp>
+      <p:sp>
+        <p:nvSpPr>
+          <p:cNvPr id="41" name="矩形 40"/>
+          <p:cNvSpPr/>
+          <p:nvPr/>
+        </p:nvSpPr>
+        <p:spPr>
+          <a:xfrm>
+            <a:off x="1833049" y="4823807"/>
+            <a:ext cx="2511216" cy="555236"/>
+          </a:xfrm>
+          <a:prstGeom prst="rect">
+            <a:avLst/>
+          </a:prstGeom>
+        </p:spPr>
+        <p:style>
+          <a:lnRef idx="1">
+            <a:schemeClr val="accent1"/>
+          </a:lnRef>
+          <a:fillRef idx="2">
+            <a:schemeClr val="accent1"/>
+          </a:fillRef>
+          <a:effectRef idx="1">
+            <a:schemeClr val="accent1"/>
+          </a:effectRef>
+          <a:fontRef idx="minor">
+            <a:schemeClr val="dk1"/>
+          </a:fontRef>
+        </p:style>
+        <p:txBody>
+          <a:bodyPr rtlCol="0" anchor="ctr"/>
+          <a:lstStyle/>
+          <a:p>
+            <a:pPr algn="ctr"/>
+            <a:r>
+              <a:rPr lang="zh-CN" altLang="en-US" dirty="0"/>
+              <a:t>对</a:t>
+            </a:r>
+            <a:r>
+              <a:rPr lang="zh-CN" altLang="en-US" dirty="0" smtClean="0"/>
+              <a:t>数据库操作</a:t>
+            </a:r>
+            <a:r>
+              <a:rPr lang="en-US" altLang="zh-CN" dirty="0" smtClean="0"/>
+              <a:t>:</a:t>
+            </a:r>
+            <a:r>
+              <a:rPr lang="en-US" altLang="zh-CN" dirty="0" err="1" smtClean="0"/>
+              <a:t>sqlHelper</a:t>
+            </a:r>
+            <a:endParaRPr lang="en-US" altLang="zh-CN" dirty="0" smtClean="0"/>
+          </a:p>
+          <a:p>
+            <a:pPr algn="ctr"/>
+            <a:r>
+              <a:rPr lang="zh-CN" altLang="en-US" dirty="0" smtClean="0"/>
+              <a:t>封装增删该查</a:t>
+            </a:r>
+            <a:endParaRPr lang="zh-CN" altLang="en-US" dirty="0"/>
+          </a:p>
+        </p:txBody>
+      </p:sp>
+      <p:cxnSp>
+        <p:nvCxnSpPr>
+          <p:cNvPr id="29" name="直接箭头连接符 28"/>
+          <p:cNvCxnSpPr>
+            <a:stCxn id="41" idx="2"/>
+            <a:endCxn id="4" idx="1"/>
+          </p:cNvCxnSpPr>
+          <p:nvPr/>
+        </p:nvCxnSpPr>
+        <p:spPr>
+          <a:xfrm>
+            <a:off x="3088657" y="5379043"/>
+            <a:ext cx="0" cy="426221"/>
+          </a:xfrm>
+          <a:prstGeom prst="straightConnector1">
+            <a:avLst/>
+          </a:prstGeom>
+          <a:ln>
+            <a:tailEnd type="arrow"/>
+          </a:ln>
+        </p:spPr>
+        <p:style>
+          <a:lnRef idx="1">
+            <a:schemeClr val="accent1"/>
+          </a:lnRef>
+          <a:fillRef idx="0">
+            <a:schemeClr val="accent1"/>
+          </a:fillRef>
+          <a:effectRef idx="0">
+            <a:schemeClr val="accent1"/>
+          </a:effectRef>
+          <a:fontRef idx="minor">
+            <a:schemeClr val="tx1"/>
+          </a:fontRef>
+        </p:style>
+      </p:cxnSp>
+      <p:cxnSp>
+        <p:nvCxnSpPr>
+          <p:cNvPr id="31" name="直接箭头连接符 30"/>
+          <p:cNvCxnSpPr>
+            <a:stCxn id="6" idx="2"/>
+            <a:endCxn id="41" idx="0"/>
+          </p:cNvCxnSpPr>
+          <p:nvPr/>
+        </p:nvCxnSpPr>
+        <p:spPr>
+          <a:xfrm>
+            <a:off x="1533630" y="4214871"/>
+            <a:ext cx="1555027" cy="608936"/>
+          </a:xfrm>
+          <a:prstGeom prst="straightConnector1">
+            <a:avLst/>
+          </a:prstGeom>
+          <a:ln>
+            <a:tailEnd type="arrow"/>
+          </a:ln>
+        </p:spPr>
+        <p:style>
+          <a:lnRef idx="1">
+            <a:schemeClr val="accent1"/>
+          </a:lnRef>
+          <a:fillRef idx="0">
+            <a:schemeClr val="accent1"/>
+          </a:fillRef>
+          <a:effectRef idx="0">
+            <a:schemeClr val="accent1"/>
+          </a:effectRef>
+          <a:fontRef idx="minor">
+            <a:schemeClr val="tx1"/>
+          </a:fontRef>
+        </p:style>
+      </p:cxnSp>
+      <p:cxnSp>
+        <p:nvCxnSpPr>
+          <p:cNvPr id="35" name="直接连接符 34"/>
+          <p:cNvCxnSpPr>
+            <a:stCxn id="33" idx="2"/>
+            <a:endCxn id="41" idx="0"/>
+          </p:cNvCxnSpPr>
+          <p:nvPr/>
+        </p:nvCxnSpPr>
+        <p:spPr>
+          <a:xfrm flipH="1">
+            <a:off x="3088657" y="4214870"/>
+            <a:ext cx="1384999" cy="608937"/>
+          </a:xfrm>
+          <a:prstGeom prst="line">
+            <a:avLst/>
+          </a:prstGeom>
+        </p:spPr>
+        <p:style>
+          <a:lnRef idx="1">
+            <a:schemeClr val="accent1"/>
+          </a:lnRef>
+          <a:fillRef idx="0">
+            <a:schemeClr val="accent1"/>
+          </a:fillRef>
+          <a:effectRef idx="0">
+            <a:schemeClr val="accent1"/>
+          </a:effectRef>
+          <a:fontRef idx="minor">
+            <a:schemeClr val="tx1"/>
+          </a:fontRef>
+        </p:style>
+      </p:cxnSp>
+      <p:cxnSp>
+        <p:nvCxnSpPr>
+          <p:cNvPr id="39" name="直接箭头连接符 38"/>
+          <p:cNvCxnSpPr>
+            <a:stCxn id="37" idx="2"/>
+            <a:endCxn id="41" idx="0"/>
+          </p:cNvCxnSpPr>
+          <p:nvPr/>
+        </p:nvCxnSpPr>
+        <p:spPr>
+          <a:xfrm flipH="1">
+            <a:off x="3088657" y="4177871"/>
+            <a:ext cx="4286375" cy="645936"/>
+          </a:xfrm>
+          <a:prstGeom prst="straightConnector1">
+            <a:avLst/>
+          </a:prstGeom>
+          <a:ln>
+            <a:tailEnd type="arrow"/>
+          </a:ln>
+        </p:spPr>
+        <p:style>
+          <a:lnRef idx="1">
+            <a:schemeClr val="accent1"/>
+          </a:lnRef>
+          <a:fillRef idx="0">
+            <a:schemeClr val="accent1"/>
+          </a:fillRef>
+          <a:effectRef idx="0">
+            <a:schemeClr val="accent1"/>
+          </a:effectRef>
+          <a:fontRef idx="minor">
+            <a:schemeClr val="tx1"/>
+          </a:fontRef>
+        </p:style>
+      </p:cxnSp>
+      <p:sp>
+        <p:nvSpPr>
+          <p:cNvPr id="56" name="矩形 55"/>
+          <p:cNvSpPr/>
+          <p:nvPr/>
+        </p:nvSpPr>
+        <p:spPr>
+          <a:xfrm>
+            <a:off x="6340632" y="4224154"/>
+            <a:ext cx="1210589" cy="338554"/>
+          </a:xfrm>
+          <a:prstGeom prst="rect">
+            <a:avLst/>
+          </a:prstGeom>
+        </p:spPr>
+        <p:style>
+          <a:lnRef idx="1">
+            <a:schemeClr val="accent3"/>
+          </a:lnRef>
+          <a:fillRef idx="3">
+            <a:schemeClr val="accent3"/>
+          </a:fillRef>
+          <a:effectRef idx="2">
+            <a:schemeClr val="accent3"/>
+          </a:effectRef>
+          <a:fontRef idx="minor">
+            <a:schemeClr val="lt1"/>
+          </a:fontRef>
+        </p:style>
+        <p:txBody>
+          <a:bodyPr wrap="none" lIns="91440" tIns="45720" rIns="91440" bIns="45720">
+            <a:spAutoFit/>
+          </a:bodyPr>
+          <a:lstStyle/>
+          <a:p>
+            <a:pPr algn="ctr"/>
+            <a:r>
+              <a:rPr lang="zh-CN" altLang="en-US" sz="1600" dirty="0" smtClean="0">
+                <a:ln w="18415" cmpd="sng">
+                  <a:solidFill>
+                    <a:srgbClr val="FFFFFF"/>
+                  </a:solidFill>
+                  <a:prstDash val="solid"/>
+                </a:ln>
+                <a:solidFill>
+                  <a:srgbClr val="FFFFFF"/>
+                </a:solidFill>
+                <a:effectLst>
+                  <a:outerShdw blurRad="63500" dir="3600000" algn="tl" rotWithShape="0">
+                    <a:srgbClr val="000000">
+                      <a:alpha val="70000"/>
+                    </a:srgbClr>
+                  </a:outerShdw>
+                </a:effectLst>
+              </a:rPr>
+              <a:t>业务逻辑层</a:t>
+            </a:r>
+            <a:endParaRPr lang="zh-CN" altLang="en-US" sz="1600" dirty="0">
+              <a:ln w="18415" cmpd="sng">
+                <a:solidFill>
+                  <a:srgbClr val="FFFFFF"/>
+                </a:solidFill>
+                <a:prstDash val="solid"/>
+              </a:ln>
+              <a:solidFill>
+                <a:srgbClr val="FFFFFF"/>
+              </a:solidFill>
+              <a:effectLst>
+                <a:outerShdw blurRad="63500" dir="3600000" algn="tl" rotWithShape="0">
+                  <a:srgbClr val="000000">
+                    <a:alpha val="70000"/>
+                  </a:srgbClr>
+                </a:outerShdw>
+              </a:effectLst>
+            </a:endParaRPr>
+          </a:p>
+        </p:txBody>
+      </p:sp>
+      <p:cxnSp>
+        <p:nvCxnSpPr>
+          <p:cNvPr id="47" name="直接箭头连接符 46"/>
+          <p:cNvCxnSpPr>
+            <a:stCxn id="6" idx="3"/>
+            <a:endCxn id="33" idx="1"/>
+          </p:cNvCxnSpPr>
+          <p:nvPr/>
+        </p:nvCxnSpPr>
+        <p:spPr>
+          <a:xfrm flipV="1">
+            <a:off x="2659848" y="3815242"/>
+            <a:ext cx="687589" cy="1"/>
+          </a:xfrm>
+          <a:prstGeom prst="straightConnector1">
+            <a:avLst/>
+          </a:prstGeom>
+          <a:ln>
+            <a:headEnd type="arrow"/>
+            <a:tailEnd type="arrow"/>
+          </a:ln>
+        </p:spPr>
+        <p:style>
+          <a:lnRef idx="1">
+            <a:schemeClr val="accent1"/>
+          </a:lnRef>
+          <a:fillRef idx="0">
+            <a:schemeClr val="accent1"/>
+          </a:fillRef>
+          <a:effectRef idx="0">
+            <a:schemeClr val="accent1"/>
+          </a:effectRef>
+          <a:fontRef idx="minor">
+            <a:schemeClr val="tx1"/>
+          </a:fontRef>
+        </p:style>
+      </p:cxnSp>
+      <p:cxnSp>
+        <p:nvCxnSpPr>
+          <p:cNvPr id="58" name="直接箭头连接符 57"/>
+          <p:cNvCxnSpPr>
+            <a:stCxn id="33" idx="3"/>
+            <a:endCxn id="37" idx="1"/>
+          </p:cNvCxnSpPr>
+          <p:nvPr/>
+        </p:nvCxnSpPr>
+        <p:spPr>
+          <a:xfrm flipV="1">
+            <a:off x="5599874" y="3778243"/>
+            <a:ext cx="648939" cy="36999"/>
+          </a:xfrm>
+          <a:prstGeom prst="straightConnector1">
+            <a:avLst/>
+          </a:prstGeom>
+          <a:ln>
+            <a:headEnd type="arrow"/>
+            <a:tailEnd type="arrow"/>
+          </a:ln>
+        </p:spPr>
+        <p:style>
+          <a:lnRef idx="1">
+            <a:schemeClr val="accent1"/>
+          </a:lnRef>
+          <a:fillRef idx="0">
+            <a:schemeClr val="accent1"/>
+          </a:fillRef>
+          <a:effectRef idx="0">
+            <a:schemeClr val="accent1"/>
+          </a:effectRef>
+          <a:fontRef idx="minor">
+            <a:schemeClr val="tx1"/>
+          </a:fontRef>
+        </p:style>
+      </p:cxnSp>
+      <p:sp>
+        <p:nvSpPr>
+          <p:cNvPr id="63" name="矩形 62"/>
+          <p:cNvSpPr/>
+          <p:nvPr/>
+        </p:nvSpPr>
+        <p:spPr>
+          <a:xfrm>
+            <a:off x="5776692" y="4823807"/>
+            <a:ext cx="2265364" cy="584775"/>
+          </a:xfrm>
+          <a:prstGeom prst="rect">
+            <a:avLst/>
+          </a:prstGeom>
+        </p:spPr>
+        <p:style>
+          <a:lnRef idx="1">
+            <a:schemeClr val="accent3"/>
+          </a:lnRef>
+          <a:fillRef idx="3">
+            <a:schemeClr val="accent3"/>
+          </a:fillRef>
+          <a:effectRef idx="2">
+            <a:schemeClr val="accent3"/>
+          </a:effectRef>
+          <a:fontRef idx="minor">
+            <a:schemeClr val="lt1"/>
+          </a:fontRef>
+        </p:style>
+        <p:txBody>
+          <a:bodyPr wrap="none" lIns="91440" tIns="45720" rIns="91440" bIns="45720">
+            <a:spAutoFit/>
+          </a:bodyPr>
+          <a:lstStyle/>
+          <a:p>
+            <a:pPr algn="ctr"/>
+            <a:r>
+              <a:rPr lang="zh-CN" altLang="en-US" sz="1600" dirty="0" smtClean="0">
+                <a:ln w="18415" cmpd="sng">
+                  <a:solidFill>
+                    <a:srgbClr val="FFFFFF"/>
+                  </a:solidFill>
+                  <a:prstDash val="solid"/>
+                </a:ln>
+                <a:solidFill>
+                  <a:srgbClr val="FFFFFF"/>
+                </a:solidFill>
+                <a:effectLst>
+                  <a:outerShdw blurRad="63500" dir="3600000" algn="tl" rotWithShape="0">
+                    <a:srgbClr val="000000">
+                      <a:alpha val="70000"/>
+                    </a:srgbClr>
+                  </a:outerShdw>
+                </a:effectLst>
+              </a:rPr>
+              <a:t>对数据库的操作层</a:t>
+            </a:r>
+            <a:r>
+              <a:rPr lang="en-US" altLang="zh-CN" sz="1600" dirty="0" smtClean="0">
+                <a:ln w="18415" cmpd="sng">
+                  <a:solidFill>
+                    <a:srgbClr val="FFFFFF"/>
+                  </a:solidFill>
+                  <a:prstDash val="solid"/>
+                </a:ln>
+                <a:solidFill>
+                  <a:srgbClr val="FFFFFF"/>
+                </a:solidFill>
+                <a:effectLst>
+                  <a:outerShdw blurRad="63500" dir="3600000" algn="tl" rotWithShape="0">
+                    <a:srgbClr val="000000">
+                      <a:alpha val="70000"/>
+                    </a:srgbClr>
+                  </a:outerShdw>
+                </a:effectLst>
+              </a:rPr>
+              <a:t>(</a:t>
+            </a:r>
+            <a:r>
+              <a:rPr lang="en-US" altLang="zh-CN" sz="1600" dirty="0" err="1" smtClean="0">
+                <a:ln w="18415" cmpd="sng">
+                  <a:solidFill>
+                    <a:srgbClr val="FFFFFF"/>
+                  </a:solidFill>
+                  <a:prstDash val="solid"/>
+                </a:ln>
+                <a:solidFill>
+                  <a:srgbClr val="FFFFFF"/>
+                </a:solidFill>
+                <a:effectLst>
+                  <a:outerShdw blurRad="63500" dir="3600000" algn="tl" rotWithShape="0">
+                    <a:srgbClr val="000000">
+                      <a:alpha val="70000"/>
+                    </a:srgbClr>
+                  </a:outerShdw>
+                </a:effectLst>
+              </a:rPr>
+              <a:t>dao</a:t>
+            </a:r>
+            <a:r>
+              <a:rPr lang="en-US" altLang="zh-CN" sz="1600" dirty="0" smtClean="0">
+                <a:ln w="18415" cmpd="sng">
+                  <a:solidFill>
+                    <a:srgbClr val="FFFFFF"/>
+                  </a:solidFill>
+                  <a:prstDash val="solid"/>
+                </a:ln>
+                <a:solidFill>
+                  <a:srgbClr val="FFFFFF"/>
+                </a:solidFill>
+                <a:effectLst>
+                  <a:outerShdw blurRad="63500" dir="3600000" algn="tl" rotWithShape="0">
+                    <a:srgbClr val="000000">
+                      <a:alpha val="70000"/>
+                    </a:srgbClr>
+                  </a:outerShdw>
+                </a:effectLst>
+              </a:rPr>
+              <a:t>)</a:t>
+            </a:r>
+          </a:p>
+          <a:p>
+            <a:pPr algn="ctr"/>
+            <a:r>
+              <a:rPr lang="en-US" altLang="zh-CN" sz="1600" dirty="0" smtClean="0">
+                <a:ln w="18415" cmpd="sng">
+                  <a:solidFill>
+                    <a:srgbClr val="FFFFFF"/>
+                  </a:solidFill>
+                  <a:prstDash val="solid"/>
+                </a:ln>
+                <a:solidFill>
+                  <a:srgbClr val="FFFFFF"/>
+                </a:solidFill>
+                <a:effectLst>
+                  <a:outerShdw blurRad="63500" dir="3600000" algn="tl" rotWithShape="0">
+                    <a:srgbClr val="000000">
+                      <a:alpha val="70000"/>
+                    </a:srgbClr>
+                  </a:outerShdw>
+                </a:effectLst>
+              </a:rPr>
+              <a:t>Data access object</a:t>
+            </a:r>
+            <a:endParaRPr lang="zh-CN" altLang="en-US" sz="1600" dirty="0">
+              <a:ln w="18415" cmpd="sng">
+                <a:solidFill>
+                  <a:srgbClr val="FFFFFF"/>
+                </a:solidFill>
+                <a:prstDash val="solid"/>
+              </a:ln>
+              <a:solidFill>
+                <a:srgbClr val="FFFFFF"/>
+              </a:solidFill>
+              <a:effectLst>
+                <a:outerShdw blurRad="63500" dir="3600000" algn="tl" rotWithShape="0">
+                  <a:srgbClr val="000000">
+                    <a:alpha val="70000"/>
+                  </a:srgbClr>
+                </a:outerShdw>
+              </a:effectLst>
+            </a:endParaRPr>
+          </a:p>
+        </p:txBody>
+      </p:sp>
+    </p:spTree>
+    <p:extLst>
+      <p:ext uri="{BB962C8B-B14F-4D97-AF65-F5344CB8AC3E}">
+        <p14:creationId xmlns:p14="http://schemas.microsoft.com/office/powerpoint/2010/main" val="3034062851"/>
       </p:ext>
     </p:extLst>
   </p:cSld>
